--- a/ITI/TF/Volume1/media/Figure_17.4-3.pptx
+++ b/ITI/TF/Volume1/media/Figure_17.4-3.pptx
@@ -104,6 +104,11 @@
       </a:defRPr>
     </a:lvl9pPr>
   </p:defaultTextStyle>
+  <p:extLst>
+    <p:ext uri="{EFAFB233-063F-42B5-8137-9DF3F51BA10A}">
+      <p15:sldGuideLst xmlns:p15="http://schemas.microsoft.com/office/powerpoint/2012/main"/>
+    </p:ext>
+  </p:extLst>
 </p:presentation>
 </file>
 
@@ -254,7 +259,7 @@
           <a:p>
             <a:fld id="{7C8865C1-5ED4-7049-B890-8D8DD12A85F4}" type="datetimeFigureOut">
               <a:rPr lang="en-US" smtClean="0"/>
-              <a:t>8/12/20</a:t>
+              <a:t>8/26/20</a:t>
             </a:fld>
             <a:endParaRPr lang="en-US"/>
           </a:p>
@@ -452,7 +457,7 @@
           <a:p>
             <a:fld id="{7C8865C1-5ED4-7049-B890-8D8DD12A85F4}" type="datetimeFigureOut">
               <a:rPr lang="en-US" smtClean="0"/>
-              <a:t>8/12/20</a:t>
+              <a:t>8/26/20</a:t>
             </a:fld>
             <a:endParaRPr lang="en-US"/>
           </a:p>
@@ -660,7 +665,7 @@
           <a:p>
             <a:fld id="{7C8865C1-5ED4-7049-B890-8D8DD12A85F4}" type="datetimeFigureOut">
               <a:rPr lang="en-US" smtClean="0"/>
-              <a:t>8/12/20</a:t>
+              <a:t>8/26/20</a:t>
             </a:fld>
             <a:endParaRPr lang="en-US"/>
           </a:p>
@@ -858,7 +863,7 @@
           <a:p>
             <a:fld id="{7C8865C1-5ED4-7049-B890-8D8DD12A85F4}" type="datetimeFigureOut">
               <a:rPr lang="en-US" smtClean="0"/>
-              <a:t>8/12/20</a:t>
+              <a:t>8/26/20</a:t>
             </a:fld>
             <a:endParaRPr lang="en-US"/>
           </a:p>
@@ -1133,7 +1138,7 @@
           <a:p>
             <a:fld id="{7C8865C1-5ED4-7049-B890-8D8DD12A85F4}" type="datetimeFigureOut">
               <a:rPr lang="en-US" smtClean="0"/>
-              <a:t>8/12/20</a:t>
+              <a:t>8/26/20</a:t>
             </a:fld>
             <a:endParaRPr lang="en-US"/>
           </a:p>
@@ -1398,7 +1403,7 @@
           <a:p>
             <a:fld id="{7C8865C1-5ED4-7049-B890-8D8DD12A85F4}" type="datetimeFigureOut">
               <a:rPr lang="en-US" smtClean="0"/>
-              <a:t>8/12/20</a:t>
+              <a:t>8/26/20</a:t>
             </a:fld>
             <a:endParaRPr lang="en-US"/>
           </a:p>
@@ -1810,7 +1815,7 @@
           <a:p>
             <a:fld id="{7C8865C1-5ED4-7049-B890-8D8DD12A85F4}" type="datetimeFigureOut">
               <a:rPr lang="en-US" smtClean="0"/>
-              <a:t>8/12/20</a:t>
+              <a:t>8/26/20</a:t>
             </a:fld>
             <a:endParaRPr lang="en-US"/>
           </a:p>
@@ -1951,7 +1956,7 @@
           <a:p>
             <a:fld id="{7C8865C1-5ED4-7049-B890-8D8DD12A85F4}" type="datetimeFigureOut">
               <a:rPr lang="en-US" smtClean="0"/>
-              <a:t>8/12/20</a:t>
+              <a:t>8/26/20</a:t>
             </a:fld>
             <a:endParaRPr lang="en-US"/>
           </a:p>
@@ -2064,7 +2069,7 @@
           <a:p>
             <a:fld id="{7C8865C1-5ED4-7049-B890-8D8DD12A85F4}" type="datetimeFigureOut">
               <a:rPr lang="en-US" smtClean="0"/>
-              <a:t>8/12/20</a:t>
+              <a:t>8/26/20</a:t>
             </a:fld>
             <a:endParaRPr lang="en-US"/>
           </a:p>
@@ -2375,7 +2380,7 @@
           <a:p>
             <a:fld id="{7C8865C1-5ED4-7049-B890-8D8DD12A85F4}" type="datetimeFigureOut">
               <a:rPr lang="en-US" smtClean="0"/>
-              <a:t>8/12/20</a:t>
+              <a:t>8/26/20</a:t>
             </a:fld>
             <a:endParaRPr lang="en-US"/>
           </a:p>
@@ -2663,7 +2668,7 @@
           <a:p>
             <a:fld id="{7C8865C1-5ED4-7049-B890-8D8DD12A85F4}" type="datetimeFigureOut">
               <a:rPr lang="en-US" smtClean="0"/>
-              <a:t>8/12/20</a:t>
+              <a:t>8/26/20</a:t>
             </a:fld>
             <a:endParaRPr lang="en-US"/>
           </a:p>
@@ -2904,7 +2909,7 @@
           <a:p>
             <a:fld id="{7C8865C1-5ED4-7049-B890-8D8DD12A85F4}" type="datetimeFigureOut">
               <a:rPr lang="en-US" smtClean="0"/>
-              <a:t>8/12/20</a:t>
+              <a:t>8/26/20</a:t>
             </a:fld>
             <a:endParaRPr lang="en-US"/>
           </a:p>
@@ -3481,7 +3486,7 @@
         </p:nvSpPr>
         <p:spPr bwMode="auto">
           <a:xfrm>
-            <a:off x="2398713" y="762000"/>
+            <a:off x="2365260" y="717396"/>
             <a:ext cx="944562" cy="320675"/>
           </a:xfrm>
           <a:prstGeom prst="rect">
@@ -3531,7 +3536,7 @@
               <a:tabLst/>
             </a:pPr>
             <a:r>
-              <a:rPr kumimoji="0" lang="en-US" altLang="en-US" sz="1000" b="0" i="0" u="none" strike="noStrike" cap="none" normalizeH="0" baseline="0">
+              <a:rPr kumimoji="0" lang="en-US" altLang="en-US" sz="1000" b="0" i="0" u="none" strike="noStrike" cap="none" normalizeH="0" baseline="0" dirty="0">
                 <a:ln>
                   <a:noFill/>
                 </a:ln>
@@ -3544,7 +3549,7 @@
               </a:rPr>
               <a:t>Form Manager</a:t>
             </a:r>
-            <a:endParaRPr kumimoji="0" lang="en-US" altLang="en-US" sz="1800" b="0" i="0" u="none" strike="noStrike" cap="none" normalizeH="0" baseline="0">
+            <a:endParaRPr kumimoji="0" lang="en-US" altLang="en-US" sz="1800" b="0" i="0" u="none" strike="noStrike" cap="none" normalizeH="0" baseline="0" dirty="0">
               <a:ln>
                 <a:noFill/>
               </a:ln>
@@ -3625,7 +3630,7 @@
         </p:nvSpPr>
         <p:spPr bwMode="auto">
           <a:xfrm>
-            <a:off x="3267075" y="752475"/>
+            <a:off x="3289377" y="719022"/>
             <a:ext cx="915988" cy="320675"/>
           </a:xfrm>
           <a:prstGeom prst="rect">
@@ -3675,7 +3680,7 @@
               <a:tabLst/>
             </a:pPr>
             <a:r>
-              <a:rPr kumimoji="0" lang="en-US" altLang="en-US" sz="1000" b="0" i="0" u="none" strike="noStrike" cap="none" normalizeH="0" baseline="0">
+              <a:rPr kumimoji="0" lang="en-US" altLang="en-US" sz="1000" b="0" i="0" u="none" strike="noStrike" cap="none" normalizeH="0" baseline="0" dirty="0">
                 <a:ln>
                   <a:noFill/>
                 </a:ln>
@@ -3688,7 +3693,7 @@
               </a:rPr>
               <a:t>Form Receiver</a:t>
             </a:r>
-            <a:endParaRPr kumimoji="0" lang="en-US" altLang="en-US" sz="1000" b="0" i="0" u="none" strike="noStrike" cap="none" normalizeH="0" baseline="0">
+            <a:endParaRPr kumimoji="0" lang="en-US" altLang="en-US" sz="1000" b="0" i="0" u="none" strike="noStrike" cap="none" normalizeH="0" baseline="0" dirty="0">
               <a:ln>
                 <a:noFill/>
               </a:ln>
@@ -3716,7 +3721,7 @@
               <a:buNone/>
               <a:tabLst/>
             </a:pPr>
-            <a:endParaRPr kumimoji="0" lang="en-US" altLang="en-US" sz="1800" b="0" i="0" u="none" strike="noStrike" cap="none" normalizeH="0" baseline="0">
+            <a:endParaRPr kumimoji="0" lang="en-US" altLang="en-US" sz="1800" b="0" i="0" u="none" strike="noStrike" cap="none" normalizeH="0" baseline="0" dirty="0">
               <a:ln>
                 <a:noFill/>
               </a:ln>
@@ -3791,7 +3796,7 @@
         </p:nvSpPr>
         <p:spPr bwMode="auto">
           <a:xfrm>
-            <a:off x="1139825" y="984250"/>
+            <a:off x="1318243" y="1129213"/>
             <a:ext cx="1763713" cy="361950"/>
           </a:xfrm>
           <a:prstGeom prst="rect">
@@ -3841,7 +3846,7 @@
               <a:tabLst/>
             </a:pPr>
             <a:r>
-              <a:rPr kumimoji="0" lang="en-US" altLang="en-US" sz="1000" b="0" i="0" u="none" strike="noStrike" cap="none" normalizeH="0" baseline="0">
+              <a:rPr kumimoji="0" lang="en-US" altLang="en-US" sz="1000" b="0" i="0" u="none" strike="noStrike" cap="none" normalizeH="0" baseline="0" dirty="0">
                 <a:ln>
                   <a:noFill/>
                 </a:ln>
@@ -3854,7 +3859,7 @@
               </a:rPr>
               <a:t>Retrieve Form [ITI-34]</a:t>
             </a:r>
-            <a:endParaRPr kumimoji="0" lang="en-US" altLang="en-US" sz="1800" b="0" i="0" u="none" strike="noStrike" cap="none" normalizeH="0" baseline="0">
+            <a:endParaRPr kumimoji="0" lang="en-US" altLang="en-US" sz="1800" b="0" i="0" u="none" strike="noStrike" cap="none" normalizeH="0" baseline="0" dirty="0">
               <a:ln>
                 <a:noFill/>
               </a:ln>
@@ -4031,7 +4036,7 @@
         </p:nvSpPr>
         <p:spPr bwMode="auto">
           <a:xfrm>
-            <a:off x="1473200" y="2536825"/>
+            <a:off x="1473200" y="2603731"/>
             <a:ext cx="1258888" cy="219075"/>
           </a:xfrm>
           <a:prstGeom prst="rect">
@@ -4174,7 +4179,7 @@
         </p:nvSpPr>
         <p:spPr bwMode="auto">
           <a:xfrm>
-            <a:off x="1482725" y="3670300"/>
+            <a:off x="1482725" y="3714904"/>
             <a:ext cx="1220788" cy="219075"/>
           </a:xfrm>
           <a:prstGeom prst="rect">
@@ -4224,7 +4229,7 @@
               <a:tabLst/>
             </a:pPr>
             <a:r>
-              <a:rPr kumimoji="0" lang="en-US" altLang="en-US" sz="1000" b="0" i="0" u="none" strike="noStrike" cap="none" normalizeH="0" baseline="0">
+              <a:rPr kumimoji="0" lang="en-US" altLang="en-US" sz="1000" b="0" i="0" u="none" strike="noStrike" cap="none" normalizeH="0" baseline="0" dirty="0">
                 <a:ln>
                   <a:noFill/>
                 </a:ln>
@@ -4237,7 +4242,7 @@
               </a:rPr>
               <a:t>Archive Form [ITI-36]</a:t>
             </a:r>
-            <a:endParaRPr kumimoji="0" lang="en-US" altLang="en-US" sz="1800" b="0" i="0" u="none" strike="noStrike" cap="none" normalizeH="0" baseline="0">
+            <a:endParaRPr kumimoji="0" lang="en-US" altLang="en-US" sz="1800" b="0" i="0" u="none" strike="noStrike" cap="none" normalizeH="0" baseline="0" dirty="0">
               <a:ln>
                 <a:noFill/>
               </a:ln>
@@ -4582,8 +4587,8 @@
         </p:nvSpPr>
         <p:spPr bwMode="auto">
           <a:xfrm>
-            <a:off x="2790825" y="495300"/>
-            <a:ext cx="914400" cy="295275"/>
+            <a:off x="2790824" y="417243"/>
+            <a:ext cx="1420809" cy="295275"/>
           </a:xfrm>
           <a:prstGeom prst="rect">
             <a:avLst/>
@@ -4637,7 +4642,7 @@
               <a:tabLst/>
             </a:pPr>
             <a:r>
-              <a:rPr kumimoji="0" lang="en-US" altLang="en-US" sz="1000" b="0" i="0" u="none" strike="noStrike" cap="none" normalizeH="0" baseline="0">
+              <a:rPr kumimoji="0" lang="en-US" altLang="en-US" sz="1000" b="0" i="0" u="none" strike="noStrike" cap="none" normalizeH="0" baseline="0" dirty="0">
                 <a:ln>
                   <a:noFill/>
                 </a:ln>
@@ -4650,7 +4655,7 @@
               </a:rPr>
               <a:t>Form Source</a:t>
             </a:r>
-            <a:endParaRPr kumimoji="0" lang="en-US" altLang="en-US" sz="1800" b="0" i="0" u="none" strike="noStrike" cap="none" normalizeH="0" baseline="0">
+            <a:endParaRPr kumimoji="0" lang="en-US" altLang="en-US" sz="1800" b="0" i="0" u="none" strike="noStrike" cap="none" normalizeH="0" baseline="0" dirty="0">
               <a:ln>
                 <a:noFill/>
               </a:ln>
